--- a/day1/slides/05_MPI.pptx
+++ b/day1/slides/05_MPI.pptx
@@ -9906,7 +9906,7 @@
                 <a:cs typeface="Calibri"/>
                 <a:sym typeface="Calibri"/>
               </a:rPr>
-              <a:t>Leskosec</a:t>
+              <a:t>Leskosek</a:t>
             </a:r>
             <a:r>
               <a:rPr lang="en-US" sz="2400" b="0" i="1" u="none" strike="noStrike" cap="none" dirty="0" smtClean="0">
@@ -17918,7 +17918,7 @@
                   <a:srgbClr val="2F5897"/>
                 </a:solidFill>
               </a:rPr>
-              <a:t>4</a:t>
+              <a:t>3</a:t>
             </a:r>
             <a:r>
               <a:rPr lang="en-GB" dirty="0" smtClean="0">
@@ -17926,7 +17926,15 @@
                   <a:srgbClr val="2F5897"/>
                 </a:solidFill>
               </a:rPr>
-              <a:t> exercises</a:t>
+              <a:t> </a:t>
+            </a:r>
+            <a:r>
+              <a:rPr lang="en-GB" dirty="0" smtClean="0">
+                <a:solidFill>
+                  <a:srgbClr val="2F5897"/>
+                </a:solidFill>
+              </a:rPr>
+              <a:t>exercises</a:t>
             </a:r>
           </a:p>
           <a:p>
@@ -18012,33 +18020,7 @@
                   <a:srgbClr val="2F5897"/>
                 </a:solidFill>
               </a:rPr>
-              <a:t> static data distribution</a:t>
-            </a:r>
-          </a:p>
-          <a:p>
-            <a:pPr marL="787400" lvl="1" indent="-457200">
-              <a:lnSpc>
-                <a:spcPct val="115000"/>
-              </a:lnSpc>
-              <a:spcBef>
-                <a:spcPts val="0"/>
-              </a:spcBef>
-              <a:spcAft>
-                <a:spcPts val="0"/>
-              </a:spcAft>
-              <a:buClr>
-                <a:schemeClr val="bg2"/>
-              </a:buClr>
-              <a:buFont typeface="+mj-lt"/>
-              <a:buAutoNum type="arabicPeriod"/>
-            </a:pPr>
-            <a:r>
-              <a:rPr lang="en-GB" dirty="0" err="1" smtClean="0">
-                <a:solidFill>
-                  <a:srgbClr val="2F5897"/>
-                </a:solidFill>
-              </a:rPr>
-              <a:t>MapReduce</a:t>
+              <a:t> static data </a:t>
             </a:r>
             <a:r>
               <a:rPr lang="en-GB" dirty="0" smtClean="0">
@@ -18046,8 +18028,13 @@
                   <a:srgbClr val="2F5897"/>
                 </a:solidFill>
               </a:rPr>
-              <a:t> dynamic data distribution</a:t>
-            </a:r>
+              <a:t>distribution</a:t>
+            </a:r>
+            <a:endParaRPr lang="en-GB" dirty="0" smtClean="0">
+              <a:solidFill>
+                <a:srgbClr val="2F5897"/>
+              </a:solidFill>
+            </a:endParaRPr>
           </a:p>
         </p:txBody>
       </p:sp>
@@ -24514,6 +24501,604 @@
           </a:extLst>
         </p:spPr>
       </p:pic>
+      <p:sp>
+        <p:nvSpPr>
+          <p:cNvPr id="6" name="Shape 62"/>
+          <p:cNvSpPr txBox="1">
+            <a:spLocks/>
+          </p:cNvSpPr>
+          <p:nvPr/>
+        </p:nvSpPr>
+        <p:spPr>
+          <a:xfrm>
+            <a:off x="1187624" y="1988840"/>
+            <a:ext cx="3024336" cy="482559"/>
+          </a:xfrm>
+          <a:prstGeom prst="rect">
+            <a:avLst/>
+          </a:prstGeom>
+          <a:noFill/>
+          <a:ln>
+            <a:noFill/>
+          </a:ln>
+        </p:spPr>
+        <p:txBody>
+          <a:bodyPr lIns="91425" tIns="91425" rIns="91425" bIns="91425" anchor="t" anchorCtr="0">
+            <a:noAutofit/>
+          </a:bodyPr>
+          <a:lstStyle>
+            <a:defPPr marR="0" lvl="0" algn="l" rtl="0">
+              <a:lnSpc>
+                <a:spcPct val="100000"/>
+              </a:lnSpc>
+              <a:spcBef>
+                <a:spcPts val="0"/>
+              </a:spcBef>
+              <a:spcAft>
+                <a:spcPts val="0"/>
+              </a:spcAft>
+            </a:defPPr>
+            <a:lvl1pPr marL="342900" marR="0" lvl="0" indent="-190500" algn="l" rtl="0">
+              <a:lnSpc>
+                <a:spcPct val="100000"/>
+              </a:lnSpc>
+              <a:spcBef>
+                <a:spcPts val="480"/>
+              </a:spcBef>
+              <a:spcAft>
+                <a:spcPts val="600"/>
+              </a:spcAft>
+              <a:buClr>
+                <a:schemeClr val="accent1"/>
+              </a:buClr>
+              <a:buSzPct val="100000"/>
+              <a:buFont typeface="Calibri"/>
+              <a:buChar char="•"/>
+              <a:defRPr sz="2400" b="0" i="0" u="none" strike="noStrike" cap="none">
+                <a:solidFill>
+                  <a:schemeClr val="dk1"/>
+                </a:solidFill>
+                <a:latin typeface="Calibri"/>
+                <a:ea typeface="Calibri"/>
+                <a:cs typeface="Calibri"/>
+                <a:sym typeface="Calibri"/>
+              </a:defRPr>
+            </a:lvl1pPr>
+            <a:lvl2pPr marL="742950" marR="0" lvl="1" indent="-158750" algn="l" rtl="0">
+              <a:lnSpc>
+                <a:spcPct val="100000"/>
+              </a:lnSpc>
+              <a:spcBef>
+                <a:spcPts val="400"/>
+              </a:spcBef>
+              <a:spcAft>
+                <a:spcPts val="600"/>
+              </a:spcAft>
+              <a:buClr>
+                <a:schemeClr val="accent1"/>
+              </a:buClr>
+              <a:buSzPct val="100000"/>
+              <a:buFont typeface="Times New Roman"/>
+              <a:buChar char="•"/>
+              <a:defRPr sz="2000" b="0" i="0" u="none" strike="noStrike" cap="none">
+                <a:solidFill>
+                  <a:schemeClr val="dk1"/>
+                </a:solidFill>
+                <a:latin typeface="Calibri"/>
+                <a:ea typeface="Calibri"/>
+                <a:cs typeface="Calibri"/>
+                <a:sym typeface="Calibri"/>
+              </a:defRPr>
+            </a:lvl2pPr>
+            <a:lvl3pPr marL="1143000" marR="0" lvl="2" indent="-101600" algn="l" rtl="0">
+              <a:lnSpc>
+                <a:spcPct val="100000"/>
+              </a:lnSpc>
+              <a:spcBef>
+                <a:spcPts val="400"/>
+              </a:spcBef>
+              <a:spcAft>
+                <a:spcPts val="600"/>
+              </a:spcAft>
+              <a:buClr>
+                <a:schemeClr val="accent1"/>
+              </a:buClr>
+              <a:buSzPct val="100000"/>
+              <a:buFont typeface="Times New Roman"/>
+              <a:buChar char="•"/>
+              <a:defRPr sz="2000" b="0" i="0" u="none" strike="noStrike" cap="none">
+                <a:solidFill>
+                  <a:schemeClr val="dk1"/>
+                </a:solidFill>
+                <a:latin typeface="Calibri"/>
+                <a:ea typeface="Calibri"/>
+                <a:cs typeface="Calibri"/>
+                <a:sym typeface="Calibri"/>
+              </a:defRPr>
+            </a:lvl3pPr>
+            <a:lvl4pPr marL="1600200" marR="0" lvl="3" indent="-101600" algn="l" rtl="0">
+              <a:lnSpc>
+                <a:spcPct val="100000"/>
+              </a:lnSpc>
+              <a:spcBef>
+                <a:spcPts val="400"/>
+              </a:spcBef>
+              <a:spcAft>
+                <a:spcPts val="600"/>
+              </a:spcAft>
+              <a:buClr>
+                <a:schemeClr val="accent1"/>
+              </a:buClr>
+              <a:buSzPct val="100000"/>
+              <a:buFont typeface="Times New Roman"/>
+              <a:buChar char="•"/>
+              <a:defRPr sz="2000" b="0" i="0" u="none" strike="noStrike" cap="none">
+                <a:solidFill>
+                  <a:schemeClr val="dk1"/>
+                </a:solidFill>
+                <a:latin typeface="Calibri"/>
+                <a:ea typeface="Calibri"/>
+                <a:cs typeface="Calibri"/>
+                <a:sym typeface="Calibri"/>
+              </a:defRPr>
+            </a:lvl4pPr>
+            <a:lvl5pPr marL="2057400" marR="0" lvl="4" indent="-101600" algn="l" rtl="0">
+              <a:lnSpc>
+                <a:spcPct val="100000"/>
+              </a:lnSpc>
+              <a:spcBef>
+                <a:spcPts val="400"/>
+              </a:spcBef>
+              <a:spcAft>
+                <a:spcPts val="600"/>
+              </a:spcAft>
+              <a:buClr>
+                <a:schemeClr val="accent1"/>
+              </a:buClr>
+              <a:buSzPct val="100000"/>
+              <a:buFont typeface="Times New Roman"/>
+              <a:buChar char="•"/>
+              <a:defRPr sz="2000" b="0" i="0" u="none" strike="noStrike" cap="none">
+                <a:solidFill>
+                  <a:schemeClr val="dk1"/>
+                </a:solidFill>
+                <a:latin typeface="Calibri"/>
+                <a:ea typeface="Calibri"/>
+                <a:cs typeface="Calibri"/>
+                <a:sym typeface="Calibri"/>
+              </a:defRPr>
+            </a:lvl5pPr>
+            <a:lvl6pPr marL="2514600" marR="0" lvl="5" indent="-101600" algn="l" rtl="0">
+              <a:lnSpc>
+                <a:spcPct val="100000"/>
+              </a:lnSpc>
+              <a:spcBef>
+                <a:spcPts val="400"/>
+              </a:spcBef>
+              <a:spcAft>
+                <a:spcPts val="0"/>
+              </a:spcAft>
+              <a:buClr>
+                <a:schemeClr val="accent1"/>
+              </a:buClr>
+              <a:buSzPct val="100000"/>
+              <a:buFont typeface="Times New Roman"/>
+              <a:buChar char="•"/>
+              <a:defRPr sz="2000" b="0" i="0" u="none" strike="noStrike" cap="none">
+                <a:solidFill>
+                  <a:schemeClr val="dk1"/>
+                </a:solidFill>
+                <a:latin typeface="Arial"/>
+                <a:ea typeface="Arial"/>
+                <a:cs typeface="Arial"/>
+                <a:sym typeface="Arial"/>
+              </a:defRPr>
+            </a:lvl6pPr>
+            <a:lvl7pPr marL="2971800" marR="0" lvl="6" indent="-101600" algn="l" rtl="0">
+              <a:lnSpc>
+                <a:spcPct val="100000"/>
+              </a:lnSpc>
+              <a:spcBef>
+                <a:spcPts val="400"/>
+              </a:spcBef>
+              <a:spcAft>
+                <a:spcPts val="0"/>
+              </a:spcAft>
+              <a:buClr>
+                <a:schemeClr val="accent1"/>
+              </a:buClr>
+              <a:buSzPct val="100000"/>
+              <a:buFont typeface="Times New Roman"/>
+              <a:buChar char="•"/>
+              <a:defRPr sz="2000" b="0" i="0" u="none" strike="noStrike" cap="none">
+                <a:solidFill>
+                  <a:schemeClr val="dk1"/>
+                </a:solidFill>
+                <a:latin typeface="Arial"/>
+                <a:ea typeface="Arial"/>
+                <a:cs typeface="Arial"/>
+                <a:sym typeface="Arial"/>
+              </a:defRPr>
+            </a:lvl7pPr>
+            <a:lvl8pPr marL="3429000" marR="0" lvl="7" indent="-101600" algn="l" rtl="0">
+              <a:lnSpc>
+                <a:spcPct val="100000"/>
+              </a:lnSpc>
+              <a:spcBef>
+                <a:spcPts val="400"/>
+              </a:spcBef>
+              <a:spcAft>
+                <a:spcPts val="0"/>
+              </a:spcAft>
+              <a:buClr>
+                <a:schemeClr val="accent1"/>
+              </a:buClr>
+              <a:buSzPct val="100000"/>
+              <a:buFont typeface="Times New Roman"/>
+              <a:buChar char="•"/>
+              <a:defRPr sz="2000" b="0" i="0" u="none" strike="noStrike" cap="none">
+                <a:solidFill>
+                  <a:schemeClr val="dk1"/>
+                </a:solidFill>
+                <a:latin typeface="Arial"/>
+                <a:ea typeface="Arial"/>
+                <a:cs typeface="Arial"/>
+                <a:sym typeface="Arial"/>
+              </a:defRPr>
+            </a:lvl8pPr>
+            <a:lvl9pPr marL="3886200" marR="0" lvl="8" indent="-101600" algn="l" rtl="0">
+              <a:lnSpc>
+                <a:spcPct val="100000"/>
+              </a:lnSpc>
+              <a:spcBef>
+                <a:spcPts val="400"/>
+              </a:spcBef>
+              <a:spcAft>
+                <a:spcPts val="0"/>
+              </a:spcAft>
+              <a:buClr>
+                <a:schemeClr val="accent1"/>
+              </a:buClr>
+              <a:buSzPct val="100000"/>
+              <a:buFont typeface="Times New Roman"/>
+              <a:buChar char="•"/>
+              <a:defRPr sz="2000" b="0" i="0" u="none" strike="noStrike" cap="none">
+                <a:solidFill>
+                  <a:schemeClr val="dk1"/>
+                </a:solidFill>
+                <a:latin typeface="Arial"/>
+                <a:ea typeface="Arial"/>
+                <a:cs typeface="Arial"/>
+                <a:sym typeface="Arial"/>
+              </a:defRPr>
+            </a:lvl9pPr>
+          </a:lstStyle>
+          <a:p>
+            <a:pPr marL="0" indent="0">
+              <a:lnSpc>
+                <a:spcPct val="115000"/>
+              </a:lnSpc>
+              <a:spcBef>
+                <a:spcPts val="0"/>
+              </a:spcBef>
+              <a:spcAft>
+                <a:spcPts val="0"/>
+              </a:spcAft>
+              <a:buClr>
+                <a:schemeClr val="bg2"/>
+              </a:buClr>
+              <a:buNone/>
+            </a:pPr>
+            <a:r>
+              <a:rPr lang="en-US" dirty="0" smtClean="0">
+                <a:solidFill>
+                  <a:srgbClr val="2F5897"/>
+                </a:solidFill>
+              </a:rPr>
+              <a:t>Fully distributed</a:t>
+            </a:r>
+          </a:p>
+        </p:txBody>
+      </p:sp>
+      <p:sp>
+        <p:nvSpPr>
+          <p:cNvPr id="7" name="Shape 62"/>
+          <p:cNvSpPr txBox="1">
+            <a:spLocks/>
+          </p:cNvSpPr>
+          <p:nvPr/>
+        </p:nvSpPr>
+        <p:spPr>
+          <a:xfrm>
+            <a:off x="5364088" y="2010265"/>
+            <a:ext cx="3024336" cy="482559"/>
+          </a:xfrm>
+          <a:prstGeom prst="rect">
+            <a:avLst/>
+          </a:prstGeom>
+          <a:noFill/>
+          <a:ln>
+            <a:noFill/>
+          </a:ln>
+        </p:spPr>
+        <p:txBody>
+          <a:bodyPr lIns="91425" tIns="91425" rIns="91425" bIns="91425" anchor="t" anchorCtr="0">
+            <a:noAutofit/>
+          </a:bodyPr>
+          <a:lstStyle>
+            <a:defPPr marR="0" lvl="0" algn="l" rtl="0">
+              <a:lnSpc>
+                <a:spcPct val="100000"/>
+              </a:lnSpc>
+              <a:spcBef>
+                <a:spcPts val="0"/>
+              </a:spcBef>
+              <a:spcAft>
+                <a:spcPts val="0"/>
+              </a:spcAft>
+            </a:defPPr>
+            <a:lvl1pPr marL="342900" marR="0" lvl="0" indent="-190500" algn="l" rtl="0">
+              <a:lnSpc>
+                <a:spcPct val="100000"/>
+              </a:lnSpc>
+              <a:spcBef>
+                <a:spcPts val="480"/>
+              </a:spcBef>
+              <a:spcAft>
+                <a:spcPts val="600"/>
+              </a:spcAft>
+              <a:buClr>
+                <a:schemeClr val="accent1"/>
+              </a:buClr>
+              <a:buSzPct val="100000"/>
+              <a:buFont typeface="Calibri"/>
+              <a:buChar char="•"/>
+              <a:defRPr sz="2400" b="0" i="0" u="none" strike="noStrike" cap="none">
+                <a:solidFill>
+                  <a:schemeClr val="dk1"/>
+                </a:solidFill>
+                <a:latin typeface="Calibri"/>
+                <a:ea typeface="Calibri"/>
+                <a:cs typeface="Calibri"/>
+                <a:sym typeface="Calibri"/>
+              </a:defRPr>
+            </a:lvl1pPr>
+            <a:lvl2pPr marL="742950" marR="0" lvl="1" indent="-158750" algn="l" rtl="0">
+              <a:lnSpc>
+                <a:spcPct val="100000"/>
+              </a:lnSpc>
+              <a:spcBef>
+                <a:spcPts val="400"/>
+              </a:spcBef>
+              <a:spcAft>
+                <a:spcPts val="600"/>
+              </a:spcAft>
+              <a:buClr>
+                <a:schemeClr val="accent1"/>
+              </a:buClr>
+              <a:buSzPct val="100000"/>
+              <a:buFont typeface="Times New Roman"/>
+              <a:buChar char="•"/>
+              <a:defRPr sz="2000" b="0" i="0" u="none" strike="noStrike" cap="none">
+                <a:solidFill>
+                  <a:schemeClr val="dk1"/>
+                </a:solidFill>
+                <a:latin typeface="Calibri"/>
+                <a:ea typeface="Calibri"/>
+                <a:cs typeface="Calibri"/>
+                <a:sym typeface="Calibri"/>
+              </a:defRPr>
+            </a:lvl2pPr>
+            <a:lvl3pPr marL="1143000" marR="0" lvl="2" indent="-101600" algn="l" rtl="0">
+              <a:lnSpc>
+                <a:spcPct val="100000"/>
+              </a:lnSpc>
+              <a:spcBef>
+                <a:spcPts val="400"/>
+              </a:spcBef>
+              <a:spcAft>
+                <a:spcPts val="600"/>
+              </a:spcAft>
+              <a:buClr>
+                <a:schemeClr val="accent1"/>
+              </a:buClr>
+              <a:buSzPct val="100000"/>
+              <a:buFont typeface="Times New Roman"/>
+              <a:buChar char="•"/>
+              <a:defRPr sz="2000" b="0" i="0" u="none" strike="noStrike" cap="none">
+                <a:solidFill>
+                  <a:schemeClr val="dk1"/>
+                </a:solidFill>
+                <a:latin typeface="Calibri"/>
+                <a:ea typeface="Calibri"/>
+                <a:cs typeface="Calibri"/>
+                <a:sym typeface="Calibri"/>
+              </a:defRPr>
+            </a:lvl3pPr>
+            <a:lvl4pPr marL="1600200" marR="0" lvl="3" indent="-101600" algn="l" rtl="0">
+              <a:lnSpc>
+                <a:spcPct val="100000"/>
+              </a:lnSpc>
+              <a:spcBef>
+                <a:spcPts val="400"/>
+              </a:spcBef>
+              <a:spcAft>
+                <a:spcPts val="600"/>
+              </a:spcAft>
+              <a:buClr>
+                <a:schemeClr val="accent1"/>
+              </a:buClr>
+              <a:buSzPct val="100000"/>
+              <a:buFont typeface="Times New Roman"/>
+              <a:buChar char="•"/>
+              <a:defRPr sz="2000" b="0" i="0" u="none" strike="noStrike" cap="none">
+                <a:solidFill>
+                  <a:schemeClr val="dk1"/>
+                </a:solidFill>
+                <a:latin typeface="Calibri"/>
+                <a:ea typeface="Calibri"/>
+                <a:cs typeface="Calibri"/>
+                <a:sym typeface="Calibri"/>
+              </a:defRPr>
+            </a:lvl4pPr>
+            <a:lvl5pPr marL="2057400" marR="0" lvl="4" indent="-101600" algn="l" rtl="0">
+              <a:lnSpc>
+                <a:spcPct val="100000"/>
+              </a:lnSpc>
+              <a:spcBef>
+                <a:spcPts val="400"/>
+              </a:spcBef>
+              <a:spcAft>
+                <a:spcPts val="600"/>
+              </a:spcAft>
+              <a:buClr>
+                <a:schemeClr val="accent1"/>
+              </a:buClr>
+              <a:buSzPct val="100000"/>
+              <a:buFont typeface="Times New Roman"/>
+              <a:buChar char="•"/>
+              <a:defRPr sz="2000" b="0" i="0" u="none" strike="noStrike" cap="none">
+                <a:solidFill>
+                  <a:schemeClr val="dk1"/>
+                </a:solidFill>
+                <a:latin typeface="Calibri"/>
+                <a:ea typeface="Calibri"/>
+                <a:cs typeface="Calibri"/>
+                <a:sym typeface="Calibri"/>
+              </a:defRPr>
+            </a:lvl5pPr>
+            <a:lvl6pPr marL="2514600" marR="0" lvl="5" indent="-101600" algn="l" rtl="0">
+              <a:lnSpc>
+                <a:spcPct val="100000"/>
+              </a:lnSpc>
+              <a:spcBef>
+                <a:spcPts val="400"/>
+              </a:spcBef>
+              <a:spcAft>
+                <a:spcPts val="0"/>
+              </a:spcAft>
+              <a:buClr>
+                <a:schemeClr val="accent1"/>
+              </a:buClr>
+              <a:buSzPct val="100000"/>
+              <a:buFont typeface="Times New Roman"/>
+              <a:buChar char="•"/>
+              <a:defRPr sz="2000" b="0" i="0" u="none" strike="noStrike" cap="none">
+                <a:solidFill>
+                  <a:schemeClr val="dk1"/>
+                </a:solidFill>
+                <a:latin typeface="Arial"/>
+                <a:ea typeface="Arial"/>
+                <a:cs typeface="Arial"/>
+                <a:sym typeface="Arial"/>
+              </a:defRPr>
+            </a:lvl6pPr>
+            <a:lvl7pPr marL="2971800" marR="0" lvl="6" indent="-101600" algn="l" rtl="0">
+              <a:lnSpc>
+                <a:spcPct val="100000"/>
+              </a:lnSpc>
+              <a:spcBef>
+                <a:spcPts val="400"/>
+              </a:spcBef>
+              <a:spcAft>
+                <a:spcPts val="0"/>
+              </a:spcAft>
+              <a:buClr>
+                <a:schemeClr val="accent1"/>
+              </a:buClr>
+              <a:buSzPct val="100000"/>
+              <a:buFont typeface="Times New Roman"/>
+              <a:buChar char="•"/>
+              <a:defRPr sz="2000" b="0" i="0" u="none" strike="noStrike" cap="none">
+                <a:solidFill>
+                  <a:schemeClr val="dk1"/>
+                </a:solidFill>
+                <a:latin typeface="Arial"/>
+                <a:ea typeface="Arial"/>
+                <a:cs typeface="Arial"/>
+                <a:sym typeface="Arial"/>
+              </a:defRPr>
+            </a:lvl7pPr>
+            <a:lvl8pPr marL="3429000" marR="0" lvl="7" indent="-101600" algn="l" rtl="0">
+              <a:lnSpc>
+                <a:spcPct val="100000"/>
+              </a:lnSpc>
+              <a:spcBef>
+                <a:spcPts val="400"/>
+              </a:spcBef>
+              <a:spcAft>
+                <a:spcPts val="0"/>
+              </a:spcAft>
+              <a:buClr>
+                <a:schemeClr val="accent1"/>
+              </a:buClr>
+              <a:buSzPct val="100000"/>
+              <a:buFont typeface="Times New Roman"/>
+              <a:buChar char="•"/>
+              <a:defRPr sz="2000" b="0" i="0" u="none" strike="noStrike" cap="none">
+                <a:solidFill>
+                  <a:schemeClr val="dk1"/>
+                </a:solidFill>
+                <a:latin typeface="Arial"/>
+                <a:ea typeface="Arial"/>
+                <a:cs typeface="Arial"/>
+                <a:sym typeface="Arial"/>
+              </a:defRPr>
+            </a:lvl8pPr>
+            <a:lvl9pPr marL="3886200" marR="0" lvl="8" indent="-101600" algn="l" rtl="0">
+              <a:lnSpc>
+                <a:spcPct val="100000"/>
+              </a:lnSpc>
+              <a:spcBef>
+                <a:spcPts val="400"/>
+              </a:spcBef>
+              <a:spcAft>
+                <a:spcPts val="0"/>
+              </a:spcAft>
+              <a:buClr>
+                <a:schemeClr val="accent1"/>
+              </a:buClr>
+              <a:buSzPct val="100000"/>
+              <a:buFont typeface="Times New Roman"/>
+              <a:buChar char="•"/>
+              <a:defRPr sz="2000" b="0" i="0" u="none" strike="noStrike" cap="none">
+                <a:solidFill>
+                  <a:schemeClr val="dk1"/>
+                </a:solidFill>
+                <a:latin typeface="Arial"/>
+                <a:ea typeface="Arial"/>
+                <a:cs typeface="Arial"/>
+                <a:sym typeface="Arial"/>
+              </a:defRPr>
+            </a:lvl9pPr>
+          </a:lstStyle>
+          <a:p>
+            <a:pPr marL="0" indent="0" algn="ctr">
+              <a:lnSpc>
+                <a:spcPct val="115000"/>
+              </a:lnSpc>
+              <a:spcBef>
+                <a:spcPts val="0"/>
+              </a:spcBef>
+              <a:spcAft>
+                <a:spcPts val="0"/>
+              </a:spcAft>
+              <a:buClr>
+                <a:schemeClr val="bg2"/>
+              </a:buClr>
+              <a:buNone/>
+            </a:pPr>
+            <a:r>
+              <a:rPr lang="en-US" dirty="0" smtClean="0">
+                <a:solidFill>
+                  <a:srgbClr val="2F5897"/>
+                </a:solidFill>
+              </a:rPr>
+              <a:t>Hybrid</a:t>
+            </a:r>
+          </a:p>
+        </p:txBody>
+      </p:sp>
     </p:spTree>
     <p:extLst>
       <p:ext uri="{BB962C8B-B14F-4D97-AF65-F5344CB8AC3E}">
